--- a/卒業論文/2013/松本併太/卒業論文ポスター.pptx
+++ b/卒業論文/2013/松本併太/卒業論文ポスター.pptx
@@ -195,7 +195,7 @@
           <a:p>
             <a:fld id="{3A229F05-2F6E-43CF-9ECC-EC9F25D9D1C4}" type="datetimeFigureOut">
               <a:rPr kumimoji="1" lang="ja-JP" altLang="en-US" smtClean="0"/>
-              <a:t>2014/10/10</a:t>
+              <a:t>2014/10/14</a:t>
             </a:fld>
             <a:endParaRPr kumimoji="1" lang="ja-JP" altLang="en-US"/>
           </a:p>
@@ -676,7 +676,7 @@
           <a:p>
             <a:fld id="{7599971D-E424-4083-B0C6-61FDC58FEAC9}" type="datetimeFigureOut">
               <a:rPr kumimoji="1" lang="ja-JP" altLang="en-US" smtClean="0"/>
-              <a:t>2014/10/10</a:t>
+              <a:t>2014/10/14</a:t>
             </a:fld>
             <a:endParaRPr kumimoji="1" lang="ja-JP" altLang="en-US"/>
           </a:p>
@@ -878,7 +878,7 @@
           <a:p>
             <a:fld id="{7599971D-E424-4083-B0C6-61FDC58FEAC9}" type="datetimeFigureOut">
               <a:rPr kumimoji="1" lang="ja-JP" altLang="en-US" smtClean="0"/>
-              <a:t>2014/10/10</a:t>
+              <a:t>2014/10/14</a:t>
             </a:fld>
             <a:endParaRPr kumimoji="1" lang="ja-JP" altLang="en-US"/>
           </a:p>
@@ -1090,7 +1090,7 @@
           <a:p>
             <a:fld id="{7599971D-E424-4083-B0C6-61FDC58FEAC9}" type="datetimeFigureOut">
               <a:rPr kumimoji="1" lang="ja-JP" altLang="en-US" smtClean="0"/>
-              <a:t>2014/10/10</a:t>
+              <a:t>2014/10/14</a:t>
             </a:fld>
             <a:endParaRPr kumimoji="1" lang="ja-JP" altLang="en-US"/>
           </a:p>
@@ -1292,7 +1292,7 @@
           <a:p>
             <a:fld id="{7599971D-E424-4083-B0C6-61FDC58FEAC9}" type="datetimeFigureOut">
               <a:rPr kumimoji="1" lang="ja-JP" altLang="en-US" smtClean="0"/>
-              <a:t>2014/10/10</a:t>
+              <a:t>2014/10/14</a:t>
             </a:fld>
             <a:endParaRPr kumimoji="1" lang="ja-JP" altLang="en-US"/>
           </a:p>
@@ -1538,7 +1538,7 @@
           <a:p>
             <a:fld id="{7599971D-E424-4083-B0C6-61FDC58FEAC9}" type="datetimeFigureOut">
               <a:rPr kumimoji="1" lang="ja-JP" altLang="en-US" smtClean="0"/>
-              <a:t>2014/10/10</a:t>
+              <a:t>2014/10/14</a:t>
             </a:fld>
             <a:endParaRPr kumimoji="1" lang="ja-JP" altLang="en-US"/>
           </a:p>
@@ -1890,7 +1890,7 @@
           <a:p>
             <a:fld id="{7599971D-E424-4083-B0C6-61FDC58FEAC9}" type="datetimeFigureOut">
               <a:rPr kumimoji="1" lang="ja-JP" altLang="en-US" smtClean="0"/>
-              <a:t>2014/10/10</a:t>
+              <a:t>2014/10/14</a:t>
             </a:fld>
             <a:endParaRPr kumimoji="1" lang="ja-JP" altLang="en-US"/>
           </a:p>
@@ -2381,7 +2381,7 @@
           <a:p>
             <a:fld id="{7599971D-E424-4083-B0C6-61FDC58FEAC9}" type="datetimeFigureOut">
               <a:rPr kumimoji="1" lang="ja-JP" altLang="en-US" smtClean="0"/>
-              <a:t>2014/10/10</a:t>
+              <a:t>2014/10/14</a:t>
             </a:fld>
             <a:endParaRPr kumimoji="1" lang="ja-JP" altLang="en-US"/>
           </a:p>
@@ -2499,7 +2499,7 @@
           <a:p>
             <a:fld id="{7599971D-E424-4083-B0C6-61FDC58FEAC9}" type="datetimeFigureOut">
               <a:rPr kumimoji="1" lang="ja-JP" altLang="en-US" smtClean="0"/>
-              <a:t>2014/10/10</a:t>
+              <a:t>2014/10/14</a:t>
             </a:fld>
             <a:endParaRPr kumimoji="1" lang="ja-JP" altLang="en-US"/>
           </a:p>
@@ -2594,7 +2594,7 @@
           <a:p>
             <a:fld id="{7599971D-E424-4083-B0C6-61FDC58FEAC9}" type="datetimeFigureOut">
               <a:rPr kumimoji="1" lang="ja-JP" altLang="en-US" smtClean="0"/>
-              <a:t>2014/10/10</a:t>
+              <a:t>2014/10/14</a:t>
             </a:fld>
             <a:endParaRPr kumimoji="1" lang="ja-JP" altLang="en-US"/>
           </a:p>
@@ -2903,7 +2903,7 @@
           <a:p>
             <a:fld id="{7599971D-E424-4083-B0C6-61FDC58FEAC9}" type="datetimeFigureOut">
               <a:rPr kumimoji="1" lang="ja-JP" altLang="en-US" smtClean="0"/>
-              <a:t>2014/10/10</a:t>
+              <a:t>2014/10/14</a:t>
             </a:fld>
             <a:endParaRPr kumimoji="1" lang="ja-JP" altLang="en-US"/>
           </a:p>
@@ -3156,7 +3156,7 @@
           <a:p>
             <a:fld id="{7599971D-E424-4083-B0C6-61FDC58FEAC9}" type="datetimeFigureOut">
               <a:rPr kumimoji="1" lang="ja-JP" altLang="en-US" smtClean="0"/>
-              <a:t>2014/10/10</a:t>
+              <a:t>2014/10/14</a:t>
             </a:fld>
             <a:endParaRPr kumimoji="1" lang="ja-JP" altLang="en-US"/>
           </a:p>
@@ -3401,7 +3401,7 @@
           <a:p>
             <a:fld id="{7599971D-E424-4083-B0C6-61FDC58FEAC9}" type="datetimeFigureOut">
               <a:rPr kumimoji="1" lang="ja-JP" altLang="en-US" smtClean="0"/>
-              <a:t>2014/10/10</a:t>
+              <a:t>2014/10/14</a:t>
             </a:fld>
             <a:endParaRPr kumimoji="1" lang="ja-JP" altLang="en-US"/>
           </a:p>
@@ -4074,10 +4074,10 @@
         </p:nvGrpSpPr>
         <p:grpSpPr>
           <a:xfrm>
-            <a:off x="116633" y="8037191"/>
-            <a:ext cx="3929458" cy="991383"/>
-            <a:chOff x="106469" y="7957043"/>
-            <a:chExt cx="3898596" cy="1078055"/>
+            <a:off x="4057181" y="7094449"/>
+            <a:ext cx="2687786" cy="1942046"/>
+            <a:chOff x="184686" y="7957043"/>
+            <a:chExt cx="3820379" cy="1078055"/>
           </a:xfrm>
         </p:grpSpPr>
         <p:sp>
@@ -4134,8 +4134,8 @@
           </p:nvSpPr>
           <p:spPr>
             <a:xfrm>
-              <a:off x="106469" y="8043715"/>
-              <a:ext cx="1586326" cy="369332"/>
+              <a:off x="297314" y="8023264"/>
+              <a:ext cx="1586325" cy="369332"/>
             </a:xfrm>
             <a:prstGeom prst="rect">
               <a:avLst/>
@@ -4169,8 +4169,8 @@
           </p:nvSpPr>
           <p:spPr>
             <a:xfrm>
-              <a:off x="355348" y="8419781"/>
-              <a:ext cx="3307791" cy="461665"/>
+              <a:off x="404581" y="8277867"/>
+              <a:ext cx="3307791" cy="568286"/>
             </a:xfrm>
             <a:prstGeom prst="rect">
               <a:avLst/>
@@ -4184,422 +4184,10 @@
             <a:lstStyle/>
             <a:p>
               <a:r>
-                <a:rPr lang="ja-JP" altLang="en-US" sz="1200" dirty="0"/>
+                <a:rPr lang="ja-JP" altLang="en-US" sz="1400" dirty="0"/>
                 <a:t>タブレット型端末を貸与されている学生の一部を対象に行う，アンケートの設計中である．</a:t>
               </a:r>
-              <a:endParaRPr kumimoji="1" lang="ja-JP" altLang="en-US" sz="1200" dirty="0"/>
-            </a:p>
-          </p:txBody>
-        </p:sp>
-      </p:grpSp>
-      <p:grpSp>
-        <p:nvGrpSpPr>
-          <p:cNvPr id="1025" name="グループ化 1024"/>
-          <p:cNvGrpSpPr/>
-          <p:nvPr/>
-        </p:nvGrpSpPr>
-        <p:grpSpPr>
-          <a:xfrm>
-            <a:off x="4046089" y="6074400"/>
-            <a:ext cx="2698878" cy="2954174"/>
-            <a:chOff x="4005064" y="6074401"/>
-            <a:chExt cx="2698878" cy="3556070"/>
-          </a:xfrm>
-        </p:grpSpPr>
-        <p:graphicFrame>
-          <p:nvGraphicFramePr>
-            <p:cNvPr id="32" name="コンテンツ プレースホルダー 48"/>
-            <p:cNvGraphicFramePr>
-              <a:graphicFrameLocks/>
-            </p:cNvGraphicFramePr>
-            <p:nvPr>
-              <p:extLst>
-                <p:ext uri="{D42A27DB-BD31-4B8C-83A1-F6EECF244321}">
-                  <p14:modId xmlns:p14="http://schemas.microsoft.com/office/powerpoint/2010/main" val="464718846"/>
-                </p:ext>
-              </p:extLst>
-            </p:nvPr>
-          </p:nvGraphicFramePr>
-          <p:xfrm>
-            <a:off x="4433968" y="6567765"/>
-            <a:ext cx="1985085" cy="2885004"/>
-          </p:xfrm>
-          <a:graphic>
-            <a:graphicData uri="http://schemas.openxmlformats.org/drawingml/2006/table">
-              <a:tbl>
-                <a:tblPr firstRow="1" bandRow="1">
-                  <a:tableStyleId>{D27102A9-8310-4765-A935-A1911B00CA55}</a:tableStyleId>
-                </a:tblPr>
-                <a:tblGrid>
-                  <a:gridCol w="727881"/>
-                  <a:gridCol w="1257204"/>
-                </a:tblGrid>
-                <a:tr h="310597">
-                  <a:tc>
-                    <a:txBody>
-                      <a:bodyPr/>
-                      <a:lstStyle/>
-                      <a:p>
-                        <a:pPr algn="ctr"/>
-                        <a:r>
-                          <a:rPr kumimoji="1" lang="ja-JP" altLang="en-US" sz="1400" b="0" dirty="0" smtClean="0">
-                            <a:latin typeface="+mj-ea"/>
-                            <a:ea typeface="+mj-ea"/>
-                          </a:rPr>
-                          <a:t>日程</a:t>
-                        </a:r>
-                        <a:endParaRPr kumimoji="1" lang="ja-JP" altLang="en-US" sz="1400" b="0" dirty="0">
-                          <a:latin typeface="+mj-ea"/>
-                          <a:ea typeface="+mj-ea"/>
-                        </a:endParaRPr>
-                      </a:p>
-                    </a:txBody>
-                    <a:tcPr marL="29322" marR="29322" marT="14957" marB="14957"/>
-                  </a:tc>
-                  <a:tc>
-                    <a:txBody>
-                      <a:bodyPr/>
-                      <a:lstStyle/>
-                      <a:p>
-                        <a:pPr algn="ctr"/>
-                        <a:r>
-                          <a:rPr kumimoji="1" lang="ja-JP" altLang="en-US" sz="1400" b="0" dirty="0" smtClean="0">
-                            <a:latin typeface="+mj-ea"/>
-                            <a:ea typeface="+mj-ea"/>
-                          </a:rPr>
-                          <a:t>内容</a:t>
-                        </a:r>
-                        <a:endParaRPr kumimoji="1" lang="ja-JP" altLang="en-US" sz="1400" b="0" dirty="0">
-                          <a:latin typeface="+mj-ea"/>
-                          <a:ea typeface="+mj-ea"/>
-                        </a:endParaRPr>
-                      </a:p>
-                    </a:txBody>
-                    <a:tcPr marL="29322" marR="29322" marT="14957" marB="14957"/>
-                  </a:tc>
-                </a:tr>
-                <a:tr h="501157">
-                  <a:tc>
-                    <a:txBody>
-                      <a:bodyPr/>
-                      <a:lstStyle/>
-                      <a:p>
-                        <a:pPr algn="ctr"/>
-                        <a:r>
-                          <a:rPr kumimoji="1" lang="en-US" altLang="ja-JP" sz="1200" dirty="0" smtClean="0">
-                            <a:latin typeface="+mj-ea"/>
-                            <a:ea typeface="+mj-ea"/>
-                          </a:rPr>
-                          <a:t>10</a:t>
-                        </a:r>
-                        <a:r>
-                          <a:rPr kumimoji="1" lang="ja-JP" altLang="en-US" sz="1200" dirty="0" smtClean="0">
-                            <a:latin typeface="+mj-ea"/>
-                            <a:ea typeface="+mj-ea"/>
-                          </a:rPr>
-                          <a:t>月</a:t>
-                        </a:r>
-                        <a:endParaRPr kumimoji="1" lang="ja-JP" altLang="en-US" sz="1200" dirty="0">
-                          <a:latin typeface="+mj-ea"/>
-                          <a:ea typeface="+mj-ea"/>
-                        </a:endParaRPr>
-                      </a:p>
-                    </a:txBody>
-                    <a:tcPr marL="29322" marR="29322" marT="14957" marB="14957"/>
-                  </a:tc>
-                  <a:tc>
-                    <a:txBody>
-                      <a:bodyPr/>
-                      <a:lstStyle/>
-                      <a:p>
-                        <a:r>
-                          <a:rPr kumimoji="1" lang="ja-JP" altLang="en-US" sz="1200" dirty="0" smtClean="0">
-                            <a:latin typeface="+mj-ea"/>
-                            <a:ea typeface="+mj-ea"/>
-                          </a:rPr>
-                          <a:t>作成したアンケートの実施</a:t>
-                        </a:r>
-                      </a:p>
-                    </a:txBody>
-                    <a:tcPr marL="29322" marR="29322" marT="14957" marB="14957"/>
-                  </a:tc>
-                </a:tr>
-                <a:tr h="528869">
-                  <a:tc>
-                    <a:txBody>
-                      <a:bodyPr/>
-                      <a:lstStyle/>
-                      <a:p>
-                        <a:pPr algn="ctr"/>
-                        <a:r>
-                          <a:rPr kumimoji="1" lang="en-US" altLang="ja-JP" sz="1200" dirty="0" smtClean="0">
-                            <a:latin typeface="+mj-ea"/>
-                            <a:ea typeface="+mj-ea"/>
-                          </a:rPr>
-                          <a:t>11</a:t>
-                        </a:r>
-                        <a:r>
-                          <a:rPr kumimoji="1" lang="ja-JP" altLang="en-US" sz="1200" dirty="0" smtClean="0">
-                            <a:latin typeface="+mj-ea"/>
-                            <a:ea typeface="+mj-ea"/>
-                          </a:rPr>
-                          <a:t>月</a:t>
-                        </a:r>
-                      </a:p>
-                    </a:txBody>
-                    <a:tcPr marL="29322" marR="29322" marT="14957" marB="14957"/>
-                  </a:tc>
-                  <a:tc>
-                    <a:txBody>
-                      <a:bodyPr/>
-                      <a:lstStyle/>
-                      <a:p>
-                        <a:r>
-                          <a:rPr kumimoji="1" lang="ja-JP" altLang="en-US" sz="1200" dirty="0" smtClean="0">
-                            <a:latin typeface="+mj-ea"/>
-                            <a:ea typeface="+mj-ea"/>
-                          </a:rPr>
-                          <a:t>アンケートで収集したデータの解析</a:t>
-                        </a:r>
-                        <a:endParaRPr kumimoji="1" lang="ja-JP" altLang="en-US" sz="1200" dirty="0">
-                          <a:latin typeface="+mj-ea"/>
-                          <a:ea typeface="+mj-ea"/>
-                        </a:endParaRPr>
-                      </a:p>
-                    </a:txBody>
-                    <a:tcPr marL="29322" marR="29322" marT="14957" marB="14957"/>
-                  </a:tc>
-                </a:tr>
-                <a:tr h="468863">
-                  <a:tc>
-                    <a:txBody>
-                      <a:bodyPr/>
-                      <a:lstStyle/>
-                      <a:p>
-                        <a:pPr marL="0" marR="0" lvl="0" indent="0" algn="ctr" defTabSz="2952323" rtl="0" eaLnBrk="1" fontAlgn="auto" latinLnBrk="0" hangingPunct="1">
-                          <a:lnSpc>
-                            <a:spcPct val="100000"/>
-                          </a:lnSpc>
-                          <a:spcBef>
-                            <a:spcPts val="0"/>
-                          </a:spcBef>
-                          <a:spcAft>
-                            <a:spcPts val="0"/>
-                          </a:spcAft>
-                          <a:buClrTx/>
-                          <a:buSzTx/>
-                          <a:buFontTx/>
-                          <a:buNone/>
-                          <a:tabLst/>
-                          <a:defRPr/>
-                        </a:pPr>
-                        <a:r>
-                          <a:rPr kumimoji="1" lang="en-US" altLang="ja-JP" sz="1200" b="0" i="0" u="none" strike="noStrike" kern="1200" cap="none" spc="0" normalizeH="0" baseline="0" noProof="0" dirty="0" smtClean="0">
-                            <a:ln>
-                              <a:noFill/>
-                            </a:ln>
-                            <a:solidFill>
-                              <a:prstClr val="black"/>
-                            </a:solidFill>
-                            <a:effectLst/>
-                            <a:uLnTx/>
-                            <a:uFillTx/>
-                            <a:latin typeface="+mj-ea"/>
-                            <a:ea typeface="+mj-ea"/>
-                            <a:cs typeface="+mn-cs"/>
-                          </a:rPr>
-                          <a:t>12</a:t>
-                        </a:r>
-                        <a:r>
-                          <a:rPr kumimoji="1" lang="ja-JP" altLang="en-US" sz="1200" b="0" i="0" u="none" strike="noStrike" kern="1200" cap="none" spc="0" normalizeH="0" baseline="0" noProof="0" dirty="0" smtClean="0">
-                            <a:ln>
-                              <a:noFill/>
-                            </a:ln>
-                            <a:solidFill>
-                              <a:prstClr val="black"/>
-                            </a:solidFill>
-                            <a:effectLst/>
-                            <a:uLnTx/>
-                            <a:uFillTx/>
-                            <a:latin typeface="+mj-ea"/>
-                            <a:ea typeface="+mj-ea"/>
-                            <a:cs typeface="+mn-cs"/>
-                          </a:rPr>
-                          <a:t>月</a:t>
-                        </a:r>
-                      </a:p>
-                    </a:txBody>
-                    <a:tcPr marL="29322" marR="29322" marT="14957" marB="14957"/>
-                  </a:tc>
-                  <a:tc>
-                    <a:txBody>
-                      <a:bodyPr/>
-                      <a:lstStyle/>
-                      <a:p>
-                        <a:r>
-                          <a:rPr lang="ja-JP" altLang="en-US" sz="1200" dirty="0" smtClean="0"/>
-                          <a:t>データの分析，まとめ</a:t>
-                        </a:r>
-                        <a:endParaRPr lang="ja-JP" altLang="en-US" sz="1200" dirty="0"/>
-                      </a:p>
-                    </a:txBody>
-                    <a:tcPr marL="29322" marR="29322" marT="14957" marB="14957"/>
-                  </a:tc>
-                </a:tr>
-                <a:tr h="587206">
-                  <a:tc>
-                    <a:txBody>
-                      <a:bodyPr/>
-                      <a:lstStyle/>
-                      <a:p>
-                        <a:pPr marL="0" marR="0" lvl="0" indent="0" algn="ctr" defTabSz="2952323" rtl="0" eaLnBrk="1" fontAlgn="auto" latinLnBrk="0" hangingPunct="1">
-                          <a:lnSpc>
-                            <a:spcPct val="100000"/>
-                          </a:lnSpc>
-                          <a:spcBef>
-                            <a:spcPts val="0"/>
-                          </a:spcBef>
-                          <a:spcAft>
-                            <a:spcPts val="0"/>
-                          </a:spcAft>
-                          <a:buClrTx/>
-                          <a:buSzTx/>
-                          <a:buFontTx/>
-                          <a:buNone/>
-                          <a:tabLst/>
-                          <a:defRPr/>
-                        </a:pPr>
-                        <a:r>
-                          <a:rPr kumimoji="1" lang="en-US" altLang="ja-JP" sz="1200" b="0" i="0" u="none" strike="noStrike" kern="1200" cap="none" spc="0" normalizeH="0" baseline="0" noProof="0" dirty="0" smtClean="0">
-                            <a:ln>
-                              <a:noFill/>
-                            </a:ln>
-                            <a:solidFill>
-                              <a:prstClr val="black"/>
-                            </a:solidFill>
-                            <a:effectLst/>
-                            <a:uLnTx/>
-                            <a:uFillTx/>
-                            <a:latin typeface="+mj-ea"/>
-                            <a:ea typeface="+mj-ea"/>
-                            <a:cs typeface="+mn-cs"/>
-                          </a:rPr>
-                          <a:t>1</a:t>
-                        </a:r>
-                        <a:r>
-                          <a:rPr kumimoji="1" lang="ja-JP" altLang="en-US" sz="1200" b="0" i="0" u="none" strike="noStrike" kern="1200" cap="none" spc="0" normalizeH="0" baseline="0" noProof="0" dirty="0" smtClean="0">
-                            <a:ln>
-                              <a:noFill/>
-                            </a:ln>
-                            <a:solidFill>
-                              <a:prstClr val="black"/>
-                            </a:solidFill>
-                            <a:effectLst/>
-                            <a:uLnTx/>
-                            <a:uFillTx/>
-                            <a:latin typeface="+mj-ea"/>
-                            <a:ea typeface="+mj-ea"/>
-                            <a:cs typeface="+mn-cs"/>
-                          </a:rPr>
-                          <a:t>月</a:t>
-                        </a:r>
-                      </a:p>
-                    </a:txBody>
-                    <a:tcPr marL="29322" marR="29322" marT="14957" marB="14957"/>
-                  </a:tc>
-                  <a:tc>
-                    <a:txBody>
-                      <a:bodyPr/>
-                      <a:lstStyle/>
-                      <a:p>
-                        <a:r>
-                          <a:rPr lang="ja-JP" altLang="en-US" sz="1200" dirty="0" smtClean="0"/>
-                          <a:t>論文の執筆，発表資料の作成</a:t>
-                        </a:r>
-                        <a:endParaRPr lang="ja-JP" altLang="en-US" sz="1200" dirty="0"/>
-                      </a:p>
-                    </a:txBody>
-                    <a:tcPr marL="29322" marR="29322" marT="14957" marB="14957"/>
-                  </a:tc>
-                </a:tr>
-              </a:tbl>
-            </a:graphicData>
-          </a:graphic>
-        </p:graphicFrame>
-        <p:sp>
-          <p:nvSpPr>
-            <p:cNvPr id="26" name="テキスト ボックス 25"/>
-            <p:cNvSpPr txBox="1"/>
-            <p:nvPr/>
-          </p:nvSpPr>
-          <p:spPr>
-            <a:xfrm>
-              <a:off x="4005064" y="6112184"/>
-              <a:ext cx="2074699" cy="316902"/>
-            </a:xfrm>
-            <a:prstGeom prst="rect">
-              <a:avLst/>
-            </a:prstGeom>
-            <a:noFill/>
-          </p:spPr>
-          <p:txBody>
-            <a:bodyPr wrap="square" rtlCol="0">
-              <a:spAutoFit/>
-            </a:bodyPr>
-            <a:lstStyle/>
-            <a:p>
-              <a:pPr algn="ctr"/>
-              <a:r>
-                <a:rPr kumimoji="1" lang="ja-JP" altLang="en-US" dirty="0" smtClean="0"/>
-                <a:t>今後の計画</a:t>
-              </a:r>
-              <a:endParaRPr kumimoji="1" lang="ja-JP" altLang="en-US" dirty="0"/>
-            </a:p>
-          </p:txBody>
-        </p:sp>
-        <p:sp>
-          <p:nvSpPr>
-            <p:cNvPr id="38" name="角丸四角形 37"/>
-            <p:cNvSpPr/>
-            <p:nvPr/>
-          </p:nvSpPr>
-          <p:spPr>
-            <a:xfrm>
-              <a:off x="4149080" y="6074401"/>
-              <a:ext cx="2554862" cy="3556070"/>
-            </a:xfrm>
-            <a:prstGeom prst="roundRect">
-              <a:avLst/>
-            </a:prstGeom>
-            <a:noFill/>
-            <a:effectLst>
-              <a:outerShdw blurRad="50800" dist="38100" dir="2700000" algn="tl" rotWithShape="0">
-                <a:prstClr val="black">
-                  <a:alpha val="40000"/>
-                </a:prstClr>
-              </a:outerShdw>
-            </a:effectLst>
-          </p:spPr>
-          <p:style>
-            <a:lnRef idx="2">
-              <a:schemeClr val="dk1"/>
-            </a:lnRef>
-            <a:fillRef idx="1">
-              <a:schemeClr val="lt1"/>
-            </a:fillRef>
-            <a:effectRef idx="0">
-              <a:schemeClr val="dk1"/>
-            </a:effectRef>
-            <a:fontRef idx="minor">
-              <a:schemeClr val="dk1"/>
-            </a:fontRef>
-          </p:style>
-          <p:txBody>
-            <a:bodyPr lIns="29663" tIns="14832" rIns="29663" bIns="14832" spcCol="0" rtlCol="0" anchor="ctr"/>
-            <a:lstStyle/>
-            <a:p>
-              <a:pPr algn="ctr"/>
-              <a:endParaRPr kumimoji="1" lang="ja-JP" altLang="en-US" dirty="0"/>
+              <a:endParaRPr kumimoji="1" lang="ja-JP" altLang="en-US" sz="1400" dirty="0"/>
             </a:p>
           </p:txBody>
         </p:sp>
@@ -4911,10 +4499,10 @@
         </p:nvGrpSpPr>
         <p:grpSpPr>
           <a:xfrm>
-            <a:off x="-139836" y="6062850"/>
-            <a:ext cx="4185925" cy="1821517"/>
-            <a:chOff x="-139836" y="6062850"/>
-            <a:chExt cx="4185925" cy="1821517"/>
+            <a:off x="-122207" y="7094448"/>
+            <a:ext cx="4124359" cy="1942047"/>
+            <a:chOff x="-132770" y="6049083"/>
+            <a:chExt cx="4178859" cy="1835285"/>
           </a:xfrm>
         </p:grpSpPr>
         <p:grpSp>
@@ -4925,10 +4513,10 @@
           </p:nvGrpSpPr>
           <p:grpSpPr>
             <a:xfrm>
-              <a:off x="-139836" y="6062850"/>
-              <a:ext cx="4185925" cy="1821517"/>
-              <a:chOff x="-139731" y="5710803"/>
-              <a:chExt cx="4144796" cy="2101557"/>
+              <a:off x="-132770" y="6049083"/>
+              <a:ext cx="4178859" cy="1835285"/>
+              <a:chOff x="-132734" y="5694919"/>
+              <a:chExt cx="4137799" cy="2117441"/>
             </a:xfrm>
           </p:grpSpPr>
           <p:sp>
@@ -4987,7 +4575,7 @@
             </p:nvSpPr>
             <p:spPr>
               <a:xfrm>
-                <a:off x="-139731" y="5710803"/>
+                <a:off x="-132734" y="5694919"/>
                 <a:ext cx="2147412" cy="636044"/>
               </a:xfrm>
               <a:prstGeom prst="rect">
@@ -5142,7 +4730,7 @@
         <p:grpSpPr>
           <a:xfrm>
             <a:off x="-129180" y="3923928"/>
-            <a:ext cx="6893410" cy="2072075"/>
+            <a:ext cx="6893410" cy="3096344"/>
             <a:chOff x="-129180" y="3923928"/>
             <a:chExt cx="6893410" cy="2072075"/>
           </a:xfrm>
@@ -5262,8 +4850,8 @@
           </p:nvSpPr>
           <p:spPr>
             <a:xfrm>
-              <a:off x="1372371" y="4067487"/>
-              <a:ext cx="5259563" cy="864095"/>
+              <a:off x="1484784" y="4020304"/>
+              <a:ext cx="5054262" cy="577050"/>
             </a:xfrm>
             <a:prstGeom prst="ellipse">
               <a:avLst/>
@@ -5387,8 +4975,8 @@
           </p:nvSpPr>
           <p:spPr>
             <a:xfrm>
-              <a:off x="3837623" y="4990614"/>
-              <a:ext cx="329058" cy="288031"/>
+              <a:off x="3647373" y="4650185"/>
+              <a:ext cx="329058" cy="237288"/>
             </a:xfrm>
             <a:prstGeom prst="downArrow">
               <a:avLst/>
@@ -5428,8 +5016,8 @@
           </p:nvSpPr>
           <p:spPr>
             <a:xfrm>
-              <a:off x="1418815" y="5349672"/>
-              <a:ext cx="5166674" cy="646331"/>
+              <a:off x="1484784" y="4878037"/>
+              <a:ext cx="5054262" cy="432525"/>
             </a:xfrm>
             <a:prstGeom prst="rect">
               <a:avLst/>
@@ -5444,34 +5032,18 @@
             <a:p>
               <a:pPr algn="ctr"/>
               <a:r>
-                <a:rPr kumimoji="1" lang="ja-JP" altLang="en-US" dirty="0" smtClean="0">
-                  <a:solidFill>
-                    <a:srgbClr val="FFC000"/>
-                  </a:solidFill>
-                </a:rPr>
+                <a:rPr kumimoji="1" lang="ja-JP" altLang="en-US" dirty="0" smtClean="0"/>
                 <a:t>学生にアンケートを行い，</a:t>
               </a:r>
-              <a:endParaRPr kumimoji="1" lang="en-US" altLang="ja-JP" dirty="0" smtClean="0">
-                <a:solidFill>
-                  <a:srgbClr val="FFC000"/>
-                </a:solidFill>
-              </a:endParaRPr>
+              <a:endParaRPr kumimoji="1" lang="en-US" altLang="ja-JP" dirty="0" smtClean="0"/>
             </a:p>
             <a:p>
               <a:pPr algn="ctr"/>
               <a:r>
-                <a:rPr kumimoji="1" lang="ja-JP" altLang="en-US" dirty="0" smtClean="0">
-                  <a:solidFill>
-                    <a:srgbClr val="FFC000"/>
-                  </a:solidFill>
-                </a:rPr>
+                <a:rPr kumimoji="1" lang="ja-JP" altLang="en-US" dirty="0" smtClean="0"/>
                 <a:t>結果から調査！！</a:t>
               </a:r>
-              <a:endParaRPr kumimoji="1" lang="ja-JP" altLang="en-US" dirty="0">
-                <a:solidFill>
-                  <a:srgbClr val="FFC000"/>
-                </a:solidFill>
-              </a:endParaRPr>
+              <a:endParaRPr kumimoji="1" lang="ja-JP" altLang="en-US" dirty="0"/>
             </a:p>
           </p:txBody>
         </p:sp>
@@ -5498,8 +5070,8 @@
           </p:blipFill>
           <p:spPr bwMode="auto">
             <a:xfrm>
-              <a:off x="421860" y="4688269"/>
-              <a:ext cx="1080965" cy="1253178"/>
+              <a:off x="345938" y="4490677"/>
+              <a:ext cx="1080965" cy="945121"/>
             </a:xfrm>
             <a:prstGeom prst="rect">
               <a:avLst/>
@@ -5553,6 +5125,50 @@
           </a:fontRef>
         </p:style>
       </p:cxnSp>
+      <p:sp>
+        <p:nvSpPr>
+          <p:cNvPr id="4" name="テキスト ボックス 3"/>
+          <p:cNvSpPr txBox="1"/>
+          <p:nvPr/>
+        </p:nvSpPr>
+        <p:spPr>
+          <a:xfrm>
+            <a:off x="1506951" y="6084168"/>
+            <a:ext cx="5258936" cy="738664"/>
+          </a:xfrm>
+          <a:prstGeom prst="rect">
+            <a:avLst/>
+          </a:prstGeom>
+          <a:noFill/>
+        </p:spPr>
+        <p:txBody>
+          <a:bodyPr wrap="square" rtlCol="0">
+            <a:spAutoFit/>
+          </a:bodyPr>
+          <a:lstStyle/>
+          <a:p>
+            <a:r>
+              <a:rPr lang="ja-JP" altLang="en-US" sz="1400" dirty="0" smtClean="0"/>
+              <a:t>レポートをタブレットで書いてる人の方が成績が良い．</a:t>
+            </a:r>
+            <a:endParaRPr lang="en-US" altLang="ja-JP" sz="1400" dirty="0" smtClean="0"/>
+          </a:p>
+          <a:p>
+            <a:r>
+              <a:rPr lang="ja-JP" altLang="en-US" sz="1400" dirty="0" smtClean="0"/>
+              <a:t>アプリをたくさんインストールしている人の方が，実は成績が良い．</a:t>
+            </a:r>
+            <a:endParaRPr lang="en-US" altLang="ja-JP" sz="1400" dirty="0" smtClean="0"/>
+          </a:p>
+          <a:p>
+            <a:r>
+              <a:rPr kumimoji="1" lang="ja-JP" altLang="en-US" sz="1400" dirty="0" smtClean="0"/>
+              <a:t>こんな結果が出るかも！？</a:t>
+            </a:r>
+            <a:endParaRPr kumimoji="1" lang="ja-JP" altLang="en-US" sz="1400" dirty="0"/>
+          </a:p>
+        </p:txBody>
+      </p:sp>
     </p:spTree>
     <p:extLst>
       <p:ext uri="{BB962C8B-B14F-4D97-AF65-F5344CB8AC3E}">
